--- a/2021-04-12to04-16 (A5) C53517 SoftMARS/20_03v01_MarsBaseAlpha_OpeningBriefing.pptx
+++ b/2021-04-12to04-16 (A5) C53517 SoftMARS/20_03v01_MarsBaseAlpha_OpeningBriefing.pptx
@@ -259,7 +259,7 @@
           <a:p>
             <a:fld id="{F319E496-E8FF-4856-B08F-DBE14D18B236}" type="datetimeFigureOut">
               <a:rPr lang="en-US" smtClean="0"/>
-              <a:t>2/14/2021</a:t>
+              <a:t>2/15/2021</a:t>
             </a:fld>
             <a:endParaRPr lang="en-US"/>
           </a:p>
@@ -436,7 +436,7 @@
           <a:p>
             <a:fld id="{4572F63B-EF0F-9942-98B2-F67CC88AF236}" type="datetimeFigureOut">
               <a:rPr lang="en-US" smtClean="0"/>
-              <a:t>2/14/2021</a:t>
+              <a:t>2/15/2021</a:t>
             </a:fld>
             <a:endParaRPr lang="en-US"/>
           </a:p>
@@ -1598,7 +1598,7 @@
               </a14:hiddenLine>
             </a:ext>
             <a:ext uri="{FAA26D3D-D897-4be2-8F04-BA451C77F1D7}">
-              <ma14:placeholderFlag xmlns="" xmlns:ma14="http://schemas.microsoft.com/office/mac/drawingml/2011/main" val="1"/>
+              <ma14:placeholderFlag xmlns:ma14="http://schemas.microsoft.com/office/mac/drawingml/2011/main" xmlns="" val="1"/>
             </a:ext>
           </a:extLst>
         </p:spPr>
@@ -1785,7 +1785,7 @@
               </a14:hiddenLine>
             </a:ext>
             <a:ext uri="{FAA26D3D-D897-4be2-8F04-BA451C77F1D7}">
-              <ma14:placeholderFlag xmlns="" xmlns:ma14="http://schemas.microsoft.com/office/mac/drawingml/2011/main" val="1"/>
+              <ma14:placeholderFlag xmlns:ma14="http://schemas.microsoft.com/office/mac/drawingml/2011/main" xmlns="" val="1"/>
             </a:ext>
           </a:extLst>
         </p:spPr>
@@ -2039,7 +2039,7 @@
               </a14:hiddenLine>
             </a:ext>
             <a:ext uri="{FAA26D3D-D897-4be2-8F04-BA451C77F1D7}">
-              <ma14:placeholderFlag xmlns="" xmlns:ma14="http://schemas.microsoft.com/office/mac/drawingml/2011/main" val="1"/>
+              <ma14:placeholderFlag xmlns:ma14="http://schemas.microsoft.com/office/mac/drawingml/2011/main" xmlns="" val="1"/>
             </a:ext>
           </a:extLst>
         </p:spPr>
@@ -2293,7 +2293,7 @@
               </a14:hiddenLine>
             </a:ext>
             <a:ext uri="{FAA26D3D-D897-4be2-8F04-BA451C77F1D7}">
-              <ma14:placeholderFlag xmlns="" xmlns:ma14="http://schemas.microsoft.com/office/mac/drawingml/2011/main" val="1"/>
+              <ma14:placeholderFlag xmlns:ma14="http://schemas.microsoft.com/office/mac/drawingml/2011/main" xmlns="" val="1"/>
             </a:ext>
           </a:extLst>
         </p:spPr>
@@ -2842,7 +2842,7 @@
               </a14:hiddenLine>
             </a:ext>
             <a:ext uri="{FAA26D3D-D897-4be2-8F04-BA451C77F1D7}">
-              <ma14:placeholderFlag xmlns="" xmlns:ma14="http://schemas.microsoft.com/office/mac/drawingml/2011/main" val="1"/>
+              <ma14:placeholderFlag xmlns:ma14="http://schemas.microsoft.com/office/mac/drawingml/2011/main" xmlns="" val="1"/>
             </a:ext>
           </a:extLst>
         </p:spPr>
@@ -5437,14 +5437,14 @@
           </a:ln>
           <a:extLst>
             <a:ext uri="{909E8E84-426E-40dd-AFC4-6F175D3DCCD1}">
-              <a14:hiddenFill xmlns="" xmlns:a14="http://schemas.microsoft.com/office/drawing/2010/main">
+              <a14:hiddenFill xmlns:a14="http://schemas.microsoft.com/office/drawing/2010/main" xmlns="">
                 <a:solidFill>
                   <a:schemeClr val="accent1"/>
                 </a:solidFill>
               </a14:hiddenFill>
             </a:ext>
             <a:ext uri="{91240B29-F687-4f45-9708-019B960494DF}">
-              <a14:hiddenLine xmlns="" xmlns:a14="http://schemas.microsoft.com/office/drawing/2010/main" w="9525">
+              <a14:hiddenLine xmlns:a14="http://schemas.microsoft.com/office/drawing/2010/main" xmlns="" w="9525">
                 <a:solidFill>
                   <a:schemeClr val="tx1"/>
                 </a:solidFill>
@@ -6355,7 +6355,7 @@
           <p:nvPr>
             <p:extLst>
               <p:ext uri="{D42A27DB-BD31-4B8C-83A1-F6EECF244321}">
-                <p14:modId xmlns:p14="http://schemas.microsoft.com/office/powerpoint/2010/main" val="1906783181"/>
+                <p14:modId xmlns:p14="http://schemas.microsoft.com/office/powerpoint/2010/main" val="807797423"/>
               </p:ext>
             </p:extLst>
           </p:nvPr>
@@ -6418,7 +6418,7 @@
           <p:nvPr>
             <p:extLst>
               <p:ext uri="{D42A27DB-BD31-4B8C-83A1-F6EECF244321}">
-                <p14:modId xmlns:p14="http://schemas.microsoft.com/office/powerpoint/2010/main" val="318381075"/>
+                <p14:modId xmlns:p14="http://schemas.microsoft.com/office/powerpoint/2010/main" val="3332632641"/>
               </p:ext>
             </p:extLst>
           </p:nvPr>
@@ -6481,7 +6481,7 @@
           <p:nvPr>
             <p:extLst>
               <p:ext uri="{D42A27DB-BD31-4B8C-83A1-F6EECF244321}">
-                <p14:modId xmlns:p14="http://schemas.microsoft.com/office/powerpoint/2010/main" val="3875011907"/>
+                <p14:modId xmlns:p14="http://schemas.microsoft.com/office/powerpoint/2010/main" val="3593063654"/>
               </p:ext>
             </p:extLst>
           </p:nvPr>
@@ -6605,7 +6605,7 @@
           <p:nvPr>
             <p:extLst>
               <p:ext uri="{D42A27DB-BD31-4B8C-83A1-F6EECF244321}">
-                <p14:modId xmlns:p14="http://schemas.microsoft.com/office/powerpoint/2010/main" val="1194787358"/>
+                <p14:modId xmlns:p14="http://schemas.microsoft.com/office/powerpoint/2010/main" val="689323567"/>
               </p:ext>
             </p:extLst>
           </p:nvPr>
@@ -6724,7 +6724,7 @@
           <p:nvPr>
             <p:extLst>
               <p:ext uri="{D42A27DB-BD31-4B8C-83A1-F6EECF244321}">
-                <p14:modId xmlns:p14="http://schemas.microsoft.com/office/powerpoint/2010/main" val="3317245351"/>
+                <p14:modId xmlns:p14="http://schemas.microsoft.com/office/powerpoint/2010/main" val="2096749633"/>
               </p:ext>
             </p:extLst>
           </p:nvPr>
@@ -6843,7 +6843,7 @@
           <p:nvPr>
             <p:extLst>
               <p:ext uri="{D42A27DB-BD31-4B8C-83A1-F6EECF244321}">
-                <p14:modId xmlns:p14="http://schemas.microsoft.com/office/powerpoint/2010/main" val="1580612492"/>
+                <p14:modId xmlns:p14="http://schemas.microsoft.com/office/powerpoint/2010/main" val="3102177527"/>
               </p:ext>
             </p:extLst>
           </p:nvPr>
@@ -6970,7 +6970,7 @@
           <p:nvPr>
             <p:extLst>
               <p:ext uri="{D42A27DB-BD31-4B8C-83A1-F6EECF244321}">
-                <p14:modId xmlns:p14="http://schemas.microsoft.com/office/powerpoint/2010/main" val="2431809314"/>
+                <p14:modId xmlns:p14="http://schemas.microsoft.com/office/powerpoint/2010/main" val="1325332768"/>
               </p:ext>
             </p:extLst>
           </p:nvPr>
@@ -7094,7 +7094,7 @@
           <p:nvPr>
             <p:extLst>
               <p:ext uri="{D42A27DB-BD31-4B8C-83A1-F6EECF244321}">
-                <p14:modId xmlns:p14="http://schemas.microsoft.com/office/powerpoint/2010/main" val="2659403635"/>
+                <p14:modId xmlns:p14="http://schemas.microsoft.com/office/powerpoint/2010/main" val="2039991629"/>
               </p:ext>
             </p:extLst>
           </p:nvPr>
@@ -7264,7 +7264,7 @@
           <p:nvPr>
             <p:extLst>
               <p:ext uri="{D42A27DB-BD31-4B8C-83A1-F6EECF244321}">
-                <p14:modId xmlns:p14="http://schemas.microsoft.com/office/powerpoint/2010/main" val="4266018665"/>
+                <p14:modId xmlns:p14="http://schemas.microsoft.com/office/powerpoint/2010/main" val="697594451"/>
               </p:ext>
             </p:extLst>
           </p:nvPr>
@@ -7595,7 +7595,7 @@
           <p:nvPr>
             <p:extLst>
               <p:ext uri="{D42A27DB-BD31-4B8C-83A1-F6EECF244321}">
-                <p14:modId xmlns:p14="http://schemas.microsoft.com/office/powerpoint/2010/main" val="3905939949"/>
+                <p14:modId xmlns:p14="http://schemas.microsoft.com/office/powerpoint/2010/main" val="4158237099"/>
               </p:ext>
             </p:extLst>
           </p:nvPr>
@@ -7721,7 +7721,7 @@
           <p:nvPr>
             <p:extLst>
               <p:ext uri="{D42A27DB-BD31-4B8C-83A1-F6EECF244321}">
-                <p14:modId xmlns:p14="http://schemas.microsoft.com/office/powerpoint/2010/main" val="3203274208"/>
+                <p14:modId xmlns:p14="http://schemas.microsoft.com/office/powerpoint/2010/main" val="3089919488"/>
               </p:ext>
             </p:extLst>
           </p:nvPr>
@@ -9490,7 +9490,7 @@
           <p:nvPr>
             <p:extLst>
               <p:ext uri="{D42A27DB-BD31-4B8C-83A1-F6EECF244321}">
-                <p14:modId xmlns:p14="http://schemas.microsoft.com/office/powerpoint/2010/main" val="3405669710"/>
+                <p14:modId xmlns:p14="http://schemas.microsoft.com/office/powerpoint/2010/main" val="1767903577"/>
               </p:ext>
             </p:extLst>
           </p:nvPr>
@@ -9503,12 +9503,12 @@
           <a:graphicData uri="http://schemas.openxmlformats.org/presentationml/2006/ole">
             <mc:AlternateContent xmlns:mc="http://schemas.openxmlformats.org/markup-compatibility/2006">
               <mc:Choice xmlns:v="urn:schemas-microsoft-com:vml" Requires="v">
-                <p:oleObj name="Macro-Enabled Worksheet" r:id="rId3" imgW="8407504" imgH="997112" progId="Excel.SheetMacroEnabled.12">
+                <p:oleObj name="Macro-Enabled Worksheet" r:id="rId3" imgW="8407504" imgH="1371600" progId="Excel.SheetMacroEnabled.12">
                   <p:link updateAutomatic="1"/>
                 </p:oleObj>
               </mc:Choice>
               <mc:Fallback>
-                <p:oleObj name="Macro-Enabled Worksheet" r:id="rId3" imgW="8407504" imgH="997112" progId="Excel.SheetMacroEnabled.12">
+                <p:oleObj name="Macro-Enabled Worksheet" r:id="rId3" imgW="8407504" imgH="1371600" progId="Excel.SheetMacroEnabled.12">
                   <p:link updateAutomatic="1"/>
                   <p:pic>
                     <p:nvPicPr>
@@ -9608,7 +9608,7 @@
           <p:nvPr>
             <p:extLst>
               <p:ext uri="{D42A27DB-BD31-4B8C-83A1-F6EECF244321}">
-                <p14:modId xmlns:p14="http://schemas.microsoft.com/office/powerpoint/2010/main" val="1553547861"/>
+                <p14:modId xmlns:p14="http://schemas.microsoft.com/office/powerpoint/2010/main" val="4247876633"/>
               </p:ext>
             </p:extLst>
           </p:nvPr>
@@ -9726,7 +9726,7 @@
           <p:nvPr>
             <p:extLst>
               <p:ext uri="{D42A27DB-BD31-4B8C-83A1-F6EECF244321}">
-                <p14:modId xmlns:p14="http://schemas.microsoft.com/office/powerpoint/2010/main" val="991591655"/>
+                <p14:modId xmlns:p14="http://schemas.microsoft.com/office/powerpoint/2010/main" val="3792097235"/>
               </p:ext>
             </p:extLst>
           </p:nvPr>
@@ -10114,7 +10114,7 @@
           <p:nvPr>
             <p:extLst>
               <p:ext uri="{D42A27DB-BD31-4B8C-83A1-F6EECF244321}">
-                <p14:modId xmlns:p14="http://schemas.microsoft.com/office/powerpoint/2010/main" val="1500602567"/>
+                <p14:modId xmlns:p14="http://schemas.microsoft.com/office/powerpoint/2010/main" val="1317435122"/>
               </p:ext>
             </p:extLst>
           </p:nvPr>
@@ -10238,7 +10238,7 @@
           <p:nvPr>
             <p:extLst>
               <p:ext uri="{D42A27DB-BD31-4B8C-83A1-F6EECF244321}">
-                <p14:modId xmlns:p14="http://schemas.microsoft.com/office/powerpoint/2010/main" val="155671734"/>
+                <p14:modId xmlns:p14="http://schemas.microsoft.com/office/powerpoint/2010/main" val="2313992841"/>
               </p:ext>
             </p:extLst>
           </p:nvPr>
@@ -11191,6 +11191,15 @@
 </file>
 
 <file path=customXml/item2.xml><?xml version="1.0" encoding="utf-8"?>
+<?mso-contentType ?>
+<FormTemplates xmlns="http://schemas.microsoft.com/sharepoint/v3/contenttype/forms">
+  <Display>DocumentLibraryForm</Display>
+  <Edit>DocumentLibraryForm</Edit>
+  <New>DocumentLibraryForm</New>
+</FormTemplates>
+</file>
+
+<file path=customXml/item3.xml><?xml version="1.0" encoding="utf-8"?>
 <ct:contentTypeSchema xmlns:ct="http://schemas.microsoft.com/office/2006/metadata/contentType" xmlns:ma="http://schemas.microsoft.com/office/2006/metadata/properties/metaAttributes" ct:_="" ma:_="" ma:contentTypeName="Document" ma:contentTypeID="0x0101001F513751AC33344AB32CFD2920EFE649" ma:contentTypeVersion="11" ma:contentTypeDescription="Create a new document." ma:contentTypeScope="" ma:versionID="683516f7d70434a0e4dbd6c476be8d5b">
   <xsd:schema xmlns:xsd="http://www.w3.org/2001/XMLSchema" xmlns:xs="http://www.w3.org/2001/XMLSchema" xmlns:p="http://schemas.microsoft.com/office/2006/metadata/properties" xmlns:ns2="72e3a154-4955-46c3-9573-e9dec3e1f195" xmlns:ns3="ec500478-62e0-46fc-87f1-cfa988e486b4" targetNamespace="http://schemas.microsoft.com/office/2006/metadata/properties" ma:root="true" ma:fieldsID="cf4a15c6a1eec5dbba94230cc6a50510" ns2:_="" ns3:_="">
     <xsd:import namespace="72e3a154-4955-46c3-9573-e9dec3e1f195"/>
@@ -11401,15 +11410,6 @@
 </ct:contentTypeSchema>
 </file>
 
-<file path=customXml/item3.xml><?xml version="1.0" encoding="utf-8"?>
-<?mso-contentType ?>
-<FormTemplates xmlns="http://schemas.microsoft.com/sharepoint/v3/contenttype/forms">
-  <Display>DocumentLibraryForm</Display>
-  <Edit>DocumentLibraryForm</Edit>
-  <New>DocumentLibraryForm</New>
-</FormTemplates>
-</file>
-
 <file path=customXml/itemProps1.xml><?xml version="1.0" encoding="utf-8"?>
 <ds:datastoreItem xmlns:ds="http://schemas.openxmlformats.org/officeDocument/2006/customXml" ds:itemID="{5F07B0D7-F930-4230-933E-ABA84959494E}">
   <ds:schemaRefs>
@@ -11426,6 +11426,14 @@
 </file>
 
 <file path=customXml/itemProps2.xml><?xml version="1.0" encoding="utf-8"?>
+<ds:datastoreItem xmlns:ds="http://schemas.openxmlformats.org/officeDocument/2006/customXml" ds:itemID="{B8B49826-D5EE-4D24-B649-7C3A19B527D2}">
+  <ds:schemaRefs>
+    <ds:schemaRef ds:uri="http://schemas.microsoft.com/sharepoint/v3/contenttype/forms"/>
+  </ds:schemaRefs>
+</ds:datastoreItem>
+</file>
+
+<file path=customXml/itemProps3.xml><?xml version="1.0" encoding="utf-8"?>
 <ds:datastoreItem xmlns:ds="http://schemas.openxmlformats.org/officeDocument/2006/customXml" ds:itemID="{153C8246-6D75-4965-9C67-AB8DC9AA7365}">
   <ds:schemaRefs>
     <ds:schemaRef ds:uri="http://schemas.microsoft.com/office/2006/metadata/contentType"/>
@@ -11442,12 +11450,4 @@
     <ds:schemaRef ds:uri="http://schemas.microsoft.com/internal/obd"/>
   </ds:schemaRefs>
 </ds:datastoreItem>
-</file>
-
-<file path=customXml/itemProps3.xml><?xml version="1.0" encoding="utf-8"?>
-<ds:datastoreItem xmlns:ds="http://schemas.openxmlformats.org/officeDocument/2006/customXml" ds:itemID="{B8B49826-D5EE-4D24-B649-7C3A19B527D2}">
-  <ds:schemaRefs>
-    <ds:schemaRef ds:uri="http://schemas.microsoft.com/sharepoint/v3/contenttype/forms"/>
-  </ds:schemaRefs>
-</ds:datastoreItem>
 </file>
--- a/2021-04-12to04-16 (A5) C53517 SoftMARS/20_03v01_MarsBaseAlpha_OpeningBriefing.pptx
+++ b/2021-04-12to04-16 (A5) C53517 SoftMARS/20_03v01_MarsBaseAlpha_OpeningBriefing.pptx
@@ -259,7 +259,7 @@
           <a:p>
             <a:fld id="{F319E496-E8FF-4856-B08F-DBE14D18B236}" type="datetimeFigureOut">
               <a:rPr lang="en-US" smtClean="0"/>
-              <a:t>2/15/2021</a:t>
+              <a:t>2/26/2021</a:t>
             </a:fld>
             <a:endParaRPr lang="en-US"/>
           </a:p>
@@ -436,7 +436,7 @@
           <a:p>
             <a:fld id="{4572F63B-EF0F-9942-98B2-F67CC88AF236}" type="datetimeFigureOut">
               <a:rPr lang="en-US" smtClean="0"/>
-              <a:t>2/15/2021</a:t>
+              <a:t>2/26/2021</a:t>
             </a:fld>
             <a:endParaRPr lang="en-US"/>
           </a:p>

--- a/2021-04-12to04-16 (A5) C53517 SoftMARS/20_03v01_MarsBaseAlpha_OpeningBriefing.pptx
+++ b/2021-04-12to04-16 (A5) C53517 SoftMARS/20_03v01_MarsBaseAlpha_OpeningBriefing.pptx
@@ -259,7 +259,7 @@
           <a:p>
             <a:fld id="{F319E496-E8FF-4856-B08F-DBE14D18B236}" type="datetimeFigureOut">
               <a:rPr lang="en-US" smtClean="0"/>
-              <a:t>2/26/2021</a:t>
+              <a:t>3/7/2021</a:t>
             </a:fld>
             <a:endParaRPr lang="en-US"/>
           </a:p>
@@ -436,7 +436,7 @@
           <a:p>
             <a:fld id="{4572F63B-EF0F-9942-98B2-F67CC88AF236}" type="datetimeFigureOut">
               <a:rPr lang="en-US" smtClean="0"/>
-              <a:t>2/26/2021</a:t>
+              <a:t>3/7/2021</a:t>
             </a:fld>
             <a:endParaRPr lang="en-US"/>
           </a:p>
@@ -1598,7 +1598,7 @@
               </a14:hiddenLine>
             </a:ext>
             <a:ext uri="{FAA26D3D-D897-4be2-8F04-BA451C77F1D7}">
-              <ma14:placeholderFlag xmlns:ma14="http://schemas.microsoft.com/office/mac/drawingml/2011/main" xmlns="" val="1"/>
+              <ma14:placeholderFlag xmlns="" xmlns:ma14="http://schemas.microsoft.com/office/mac/drawingml/2011/main" val="1"/>
             </a:ext>
           </a:extLst>
         </p:spPr>
@@ -1785,7 +1785,7 @@
               </a14:hiddenLine>
             </a:ext>
             <a:ext uri="{FAA26D3D-D897-4be2-8F04-BA451C77F1D7}">
-              <ma14:placeholderFlag xmlns:ma14="http://schemas.microsoft.com/office/mac/drawingml/2011/main" xmlns="" val="1"/>
+              <ma14:placeholderFlag xmlns="" xmlns:ma14="http://schemas.microsoft.com/office/mac/drawingml/2011/main" val="1"/>
             </a:ext>
           </a:extLst>
         </p:spPr>
@@ -2039,7 +2039,7 @@
               </a14:hiddenLine>
             </a:ext>
             <a:ext uri="{FAA26D3D-D897-4be2-8F04-BA451C77F1D7}">
-              <ma14:placeholderFlag xmlns:ma14="http://schemas.microsoft.com/office/mac/drawingml/2011/main" xmlns="" val="1"/>
+              <ma14:placeholderFlag xmlns="" xmlns:ma14="http://schemas.microsoft.com/office/mac/drawingml/2011/main" val="1"/>
             </a:ext>
           </a:extLst>
         </p:spPr>
@@ -2293,7 +2293,7 @@
               </a14:hiddenLine>
             </a:ext>
             <a:ext uri="{FAA26D3D-D897-4be2-8F04-BA451C77F1D7}">
-              <ma14:placeholderFlag xmlns:ma14="http://schemas.microsoft.com/office/mac/drawingml/2011/main" xmlns="" val="1"/>
+              <ma14:placeholderFlag xmlns="" xmlns:ma14="http://schemas.microsoft.com/office/mac/drawingml/2011/main" val="1"/>
             </a:ext>
           </a:extLst>
         </p:spPr>
@@ -2842,7 +2842,7 @@
               </a14:hiddenLine>
             </a:ext>
             <a:ext uri="{FAA26D3D-D897-4be2-8F04-BA451C77F1D7}">
-              <ma14:placeholderFlag xmlns:ma14="http://schemas.microsoft.com/office/mac/drawingml/2011/main" xmlns="" val="1"/>
+              <ma14:placeholderFlag xmlns="" xmlns:ma14="http://schemas.microsoft.com/office/mac/drawingml/2011/main" val="1"/>
             </a:ext>
           </a:extLst>
         </p:spPr>
@@ -5437,14 +5437,14 @@
           </a:ln>
           <a:extLst>
             <a:ext uri="{909E8E84-426E-40dd-AFC4-6F175D3DCCD1}">
-              <a14:hiddenFill xmlns:a14="http://schemas.microsoft.com/office/drawing/2010/main" xmlns="">
+              <a14:hiddenFill xmlns="" xmlns:a14="http://schemas.microsoft.com/office/drawing/2010/main">
                 <a:solidFill>
                   <a:schemeClr val="accent1"/>
                 </a:solidFill>
               </a14:hiddenFill>
             </a:ext>
             <a:ext uri="{91240B29-F687-4f45-9708-019B960494DF}">
-              <a14:hiddenLine xmlns:a14="http://schemas.microsoft.com/office/drawing/2010/main" xmlns="" w="9525">
+              <a14:hiddenLine xmlns="" xmlns:a14="http://schemas.microsoft.com/office/drawing/2010/main" w="9525">
                 <a:solidFill>
                   <a:schemeClr val="tx1"/>
                 </a:solidFill>
@@ -9029,132 +9029,6 @@
           <a:lstStyle/>
           <a:p>
             <a:endParaRPr lang="en-ZA" dirty="0"/>
-          </a:p>
-        </p:txBody>
-      </p:sp>
-      <p:sp>
-        <p:nvSpPr>
-          <p:cNvPr id="3" name="Slide Number Placeholder 2"/>
-          <p:cNvSpPr>
-            <a:spLocks noGrp="1"/>
-          </p:cNvSpPr>
-          <p:nvPr>
-            <p:ph type="sldNum" sz="quarter" idx="12"/>
-          </p:nvPr>
-        </p:nvSpPr>
-        <p:spPr>
-          <a:xfrm>
-            <a:off x="8481204" y="6356350"/>
-            <a:ext cx="2743200" cy="365125"/>
-          </a:xfrm>
-          <a:prstGeom prst="rect">
-            <a:avLst/>
-          </a:prstGeom>
-        </p:spPr>
-        <p:txBody>
-          <a:bodyPr/>
-          <a:lstStyle>
-            <a:defPPr>
-              <a:defRPr lang="en-US"/>
-            </a:defPPr>
-            <a:lvl1pPr marL="0" algn="l" defTabSz="914400" rtl="0" eaLnBrk="1" latinLnBrk="0" hangingPunct="1">
-              <a:defRPr sz="1800" kern="1200">
-                <a:solidFill>
-                  <a:schemeClr val="tx1"/>
-                </a:solidFill>
-                <a:latin typeface="+mn-lt"/>
-                <a:ea typeface="+mn-ea"/>
-                <a:cs typeface="+mn-cs"/>
-              </a:defRPr>
-            </a:lvl1pPr>
-            <a:lvl2pPr marL="457200" algn="l" defTabSz="914400" rtl="0" eaLnBrk="1" latinLnBrk="0" hangingPunct="1">
-              <a:defRPr sz="1800" kern="1200">
-                <a:solidFill>
-                  <a:schemeClr val="tx1"/>
-                </a:solidFill>
-                <a:latin typeface="+mn-lt"/>
-                <a:ea typeface="+mn-ea"/>
-                <a:cs typeface="+mn-cs"/>
-              </a:defRPr>
-            </a:lvl2pPr>
-            <a:lvl3pPr marL="914400" algn="l" defTabSz="914400" rtl="0" eaLnBrk="1" latinLnBrk="0" hangingPunct="1">
-              <a:defRPr sz="1800" kern="1200">
-                <a:solidFill>
-                  <a:schemeClr val="tx1"/>
-                </a:solidFill>
-                <a:latin typeface="+mn-lt"/>
-                <a:ea typeface="+mn-ea"/>
-                <a:cs typeface="+mn-cs"/>
-              </a:defRPr>
-            </a:lvl3pPr>
-            <a:lvl4pPr marL="1371600" algn="l" defTabSz="914400" rtl="0" eaLnBrk="1" latinLnBrk="0" hangingPunct="1">
-              <a:defRPr sz="1800" kern="1200">
-                <a:solidFill>
-                  <a:schemeClr val="tx1"/>
-                </a:solidFill>
-                <a:latin typeface="+mn-lt"/>
-                <a:ea typeface="+mn-ea"/>
-                <a:cs typeface="+mn-cs"/>
-              </a:defRPr>
-            </a:lvl4pPr>
-            <a:lvl5pPr marL="1828800" algn="l" defTabSz="914400" rtl="0" eaLnBrk="1" latinLnBrk="0" hangingPunct="1">
-              <a:defRPr sz="1800" kern="1200">
-                <a:solidFill>
-                  <a:schemeClr val="tx1"/>
-                </a:solidFill>
-                <a:latin typeface="+mn-lt"/>
-                <a:ea typeface="+mn-ea"/>
-                <a:cs typeface="+mn-cs"/>
-              </a:defRPr>
-            </a:lvl5pPr>
-            <a:lvl6pPr marL="2286000" algn="l" defTabSz="914400" rtl="0" eaLnBrk="1" latinLnBrk="0" hangingPunct="1">
-              <a:defRPr sz="1800" kern="1200">
-                <a:solidFill>
-                  <a:schemeClr val="tx1"/>
-                </a:solidFill>
-                <a:latin typeface="+mn-lt"/>
-                <a:ea typeface="+mn-ea"/>
-                <a:cs typeface="+mn-cs"/>
-              </a:defRPr>
-            </a:lvl6pPr>
-            <a:lvl7pPr marL="2743200" algn="l" defTabSz="914400" rtl="0" eaLnBrk="1" latinLnBrk="0" hangingPunct="1">
-              <a:defRPr sz="1800" kern="1200">
-                <a:solidFill>
-                  <a:schemeClr val="tx1"/>
-                </a:solidFill>
-                <a:latin typeface="+mn-lt"/>
-                <a:ea typeface="+mn-ea"/>
-                <a:cs typeface="+mn-cs"/>
-              </a:defRPr>
-            </a:lvl7pPr>
-            <a:lvl8pPr marL="3200400" algn="l" defTabSz="914400" rtl="0" eaLnBrk="1" latinLnBrk="0" hangingPunct="1">
-              <a:defRPr sz="1800" kern="1200">
-                <a:solidFill>
-                  <a:schemeClr val="tx1"/>
-                </a:solidFill>
-                <a:latin typeface="+mn-lt"/>
-                <a:ea typeface="+mn-ea"/>
-                <a:cs typeface="+mn-cs"/>
-              </a:defRPr>
-            </a:lvl8pPr>
-            <a:lvl9pPr marL="3657600" algn="l" defTabSz="914400" rtl="0" eaLnBrk="1" latinLnBrk="0" hangingPunct="1">
-              <a:defRPr sz="1800" kern="1200">
-                <a:solidFill>
-                  <a:schemeClr val="tx1"/>
-                </a:solidFill>
-                <a:latin typeface="+mn-lt"/>
-                <a:ea typeface="+mn-ea"/>
-                <a:cs typeface="+mn-cs"/>
-              </a:defRPr>
-            </a:lvl9pPr>
-          </a:lstStyle>
-          <a:p>
-            <a:fld id="{BDF9DAA6-79B1-0A47-A3C5-4D565F30B71F}" type="slidenum">
-              <a:rPr lang="en-US" smtClean="0"/>
-              <a:pPr/>
-              <a:t>20</a:t>
-            </a:fld>
-            <a:endParaRPr lang="en-ZA" altLang="zh-CN" dirty="0"/>
           </a:p>
         </p:txBody>
       </p:sp>
@@ -11185,18 +11059,18 @@
 </file>
 
 <file path=customXml/item1.xml><?xml version="1.0" encoding="utf-8"?>
-<p:properties xmlns:p="http://schemas.microsoft.com/office/2006/metadata/properties" xmlns:xsi="http://www.w3.org/2001/XMLSchema-instance" xmlns:pc="http://schemas.microsoft.com/office/infopath/2007/PartnerControls">
-  <documentManagement/>
-</p:properties>
-</file>
-
-<file path=customXml/item2.xml><?xml version="1.0" encoding="utf-8"?>
 <?mso-contentType ?>
 <FormTemplates xmlns="http://schemas.microsoft.com/sharepoint/v3/contenttype/forms">
   <Display>DocumentLibraryForm</Display>
   <Edit>DocumentLibraryForm</Edit>
   <New>DocumentLibraryForm</New>
 </FormTemplates>
+</file>
+
+<file path=customXml/item2.xml><?xml version="1.0" encoding="utf-8"?>
+<p:properties xmlns:p="http://schemas.microsoft.com/office/2006/metadata/properties" xmlns:xsi="http://www.w3.org/2001/XMLSchema-instance" xmlns:pc="http://schemas.microsoft.com/office/infopath/2007/PartnerControls">
+  <documentManagement/>
+</p:properties>
 </file>
 
 <file path=customXml/item3.xml><?xml version="1.0" encoding="utf-8"?>
@@ -11411,6 +11285,14 @@
 </file>
 
 <file path=customXml/itemProps1.xml><?xml version="1.0" encoding="utf-8"?>
+<ds:datastoreItem xmlns:ds="http://schemas.openxmlformats.org/officeDocument/2006/customXml" ds:itemID="{B8B49826-D5EE-4D24-B649-7C3A19B527D2}">
+  <ds:schemaRefs>
+    <ds:schemaRef ds:uri="http://schemas.microsoft.com/sharepoint/v3/contenttype/forms"/>
+  </ds:schemaRefs>
+</ds:datastoreItem>
+</file>
+
+<file path=customXml/itemProps2.xml><?xml version="1.0" encoding="utf-8"?>
 <ds:datastoreItem xmlns:ds="http://schemas.openxmlformats.org/officeDocument/2006/customXml" ds:itemID="{5F07B0D7-F930-4230-933E-ABA84959494E}">
   <ds:schemaRefs>
     <ds:schemaRef ds:uri="http://purl.org/dc/terms/"/>
@@ -11421,14 +11303,6 @@
     <ds:schemaRef ds:uri="http://schemas.openxmlformats.org/package/2006/metadata/core-properties"/>
     <ds:schemaRef ds:uri="http://schemas.microsoft.com/office/2006/metadata/properties"/>
     <ds:schemaRef ds:uri="http://purl.org/dc/elements/1.1/"/>
-  </ds:schemaRefs>
-</ds:datastoreItem>
-</file>
-
-<file path=customXml/itemProps2.xml><?xml version="1.0" encoding="utf-8"?>
-<ds:datastoreItem xmlns:ds="http://schemas.openxmlformats.org/officeDocument/2006/customXml" ds:itemID="{B8B49826-D5EE-4D24-B649-7C3A19B527D2}">
-  <ds:schemaRefs>
-    <ds:schemaRef ds:uri="http://schemas.microsoft.com/sharepoint/v3/contenttype/forms"/>
   </ds:schemaRefs>
 </ds:datastoreItem>
 </file>

--- a/2021-04-12to04-16 (A5) C53517 SoftMARS/20_03v01_MarsBaseAlpha_OpeningBriefing.pptx
+++ b/2021-04-12to04-16 (A5) C53517 SoftMARS/20_03v01_MarsBaseAlpha_OpeningBriefing.pptx
@@ -5,34 +5,35 @@
     <p:sldMasterId id="2147483648" r:id="rId4"/>
   </p:sldMasterIdLst>
   <p:notesMasterIdLst>
-    <p:notesMasterId r:id="rId27"/>
+    <p:notesMasterId r:id="rId28"/>
   </p:notesMasterIdLst>
   <p:handoutMasterIdLst>
-    <p:handoutMasterId r:id="rId28"/>
+    <p:handoutMasterId r:id="rId29"/>
   </p:handoutMasterIdLst>
   <p:sldIdLst>
     <p:sldId id="256" r:id="rId5"/>
     <p:sldId id="493" r:id="rId6"/>
-    <p:sldId id="911" r:id="rId7"/>
-    <p:sldId id="270" r:id="rId8"/>
-    <p:sldId id="928" r:id="rId9"/>
-    <p:sldId id="913" r:id="rId10"/>
-    <p:sldId id="1497" r:id="rId11"/>
-    <p:sldId id="310" r:id="rId12"/>
-    <p:sldId id="274" r:id="rId13"/>
-    <p:sldId id="1513" r:id="rId14"/>
-    <p:sldId id="914" r:id="rId15"/>
-    <p:sldId id="915" r:id="rId16"/>
-    <p:sldId id="1506" r:id="rId17"/>
-    <p:sldId id="1507" r:id="rId18"/>
-    <p:sldId id="912" r:id="rId19"/>
-    <p:sldId id="919" r:id="rId20"/>
-    <p:sldId id="926" r:id="rId21"/>
-    <p:sldId id="924" r:id="rId22"/>
-    <p:sldId id="1514" r:id="rId23"/>
-    <p:sldId id="483" r:id="rId24"/>
-    <p:sldId id="298" r:id="rId25"/>
-    <p:sldId id="1511" r:id="rId26"/>
+    <p:sldId id="1515" r:id="rId7"/>
+    <p:sldId id="911" r:id="rId8"/>
+    <p:sldId id="270" r:id="rId9"/>
+    <p:sldId id="928" r:id="rId10"/>
+    <p:sldId id="913" r:id="rId11"/>
+    <p:sldId id="1497" r:id="rId12"/>
+    <p:sldId id="310" r:id="rId13"/>
+    <p:sldId id="274" r:id="rId14"/>
+    <p:sldId id="1513" r:id="rId15"/>
+    <p:sldId id="914" r:id="rId16"/>
+    <p:sldId id="915" r:id="rId17"/>
+    <p:sldId id="1506" r:id="rId18"/>
+    <p:sldId id="1507" r:id="rId19"/>
+    <p:sldId id="912" r:id="rId20"/>
+    <p:sldId id="919" r:id="rId21"/>
+    <p:sldId id="926" r:id="rId22"/>
+    <p:sldId id="924" r:id="rId23"/>
+    <p:sldId id="1514" r:id="rId24"/>
+    <p:sldId id="483" r:id="rId25"/>
+    <p:sldId id="298" r:id="rId26"/>
+    <p:sldId id="1511" r:id="rId27"/>
   </p:sldIdLst>
   <p:sldSz cx="12192000" cy="6858000"/>
   <p:notesSz cx="6858000" cy="9144000"/>
@@ -259,7 +260,7 @@
           <a:p>
             <a:fld id="{F319E496-E8FF-4856-B08F-DBE14D18B236}" type="datetimeFigureOut">
               <a:rPr lang="en-US" smtClean="0"/>
-              <a:t>3/7/2021</a:t>
+              <a:t>3/18/2021</a:t>
             </a:fld>
             <a:endParaRPr lang="en-US"/>
           </a:p>
@@ -436,7 +437,7 @@
           <a:p>
             <a:fld id="{4572F63B-EF0F-9942-98B2-F67CC88AF236}" type="datetimeFigureOut">
               <a:rPr lang="en-US" smtClean="0"/>
-              <a:t>3/7/2021</a:t>
+              <a:t>3/18/2021</a:t>
             </a:fld>
             <a:endParaRPr lang="en-US"/>
           </a:p>
@@ -1029,7 +1030,7 @@
           <a:p>
             <a:fld id="{3FC13DA5-2DE0-6D49-B0F1-8E4B6A1CBA23}" type="slidenum">
               <a:rPr lang="en-US" smtClean="0"/>
-              <a:t>11</a:t>
+              <a:t>12</a:t>
             </a:fld>
             <a:endParaRPr lang="en-US"/>
           </a:p>
@@ -1116,7 +1117,7 @@
           <a:p>
             <a:fld id="{3FC13DA5-2DE0-6D49-B0F1-8E4B6A1CBA23}" type="slidenum">
               <a:rPr lang="en-US" smtClean="0"/>
-              <a:t>12</a:t>
+              <a:t>13</a:t>
             </a:fld>
             <a:endParaRPr lang="en-US"/>
           </a:p>
@@ -1200,7 +1201,7 @@
           <a:p>
             <a:fld id="{3FC13DA5-2DE0-6D49-B0F1-8E4B6A1CBA23}" type="slidenum">
               <a:rPr lang="en-US" smtClean="0"/>
-              <a:t>15</a:t>
+              <a:t>16</a:t>
             </a:fld>
             <a:endParaRPr lang="en-US"/>
           </a:p>
@@ -1348,7 +1349,7 @@
           <a:p>
             <a:fld id="{3FC13DA5-2DE0-6D49-B0F1-8E4B6A1CBA23}" type="slidenum">
               <a:rPr lang="en-US" smtClean="0"/>
-              <a:t>16</a:t>
+              <a:t>17</a:t>
             </a:fld>
             <a:endParaRPr lang="en-US"/>
           </a:p>
@@ -1534,7 +1535,7 @@
                 </a:solidFill>
               </a:rPr>
               <a:pPr/>
-              <a:t>21</a:t>
+              <a:t>22</a:t>
             </a:fld>
             <a:endParaRPr lang="en-US" altLang="en-US" sz="1200" b="0">
               <a:solidFill>
@@ -1598,7 +1599,7 @@
               </a14:hiddenLine>
             </a:ext>
             <a:ext uri="{FAA26D3D-D897-4be2-8F04-BA451C77F1D7}">
-              <ma14:placeholderFlag xmlns="" xmlns:ma14="http://schemas.microsoft.com/office/mac/drawingml/2011/main" val="1"/>
+              <ma14:placeholderFlag xmlns:ma14="http://schemas.microsoft.com/office/mac/drawingml/2011/main" xmlns="" val="1"/>
             </a:ext>
           </a:extLst>
         </p:spPr>
@@ -1703,7 +1704,7 @@
           <a:p>
             <a:fld id="{3FC13DA5-2DE0-6D49-B0F1-8E4B6A1CBA23}" type="slidenum">
               <a:rPr lang="en-US" smtClean="0"/>
-              <a:t>3</a:t>
+              <a:t>4</a:t>
             </a:fld>
             <a:endParaRPr lang="en-US"/>
           </a:p>
@@ -1785,7 +1786,7 @@
               </a14:hiddenLine>
             </a:ext>
             <a:ext uri="{FAA26D3D-D897-4be2-8F04-BA451C77F1D7}">
-              <ma14:placeholderFlag xmlns="" xmlns:ma14="http://schemas.microsoft.com/office/mac/drawingml/2011/main" val="1"/>
+              <ma14:placeholderFlag xmlns:ma14="http://schemas.microsoft.com/office/mac/drawingml/2011/main" xmlns="" val="1"/>
             </a:ext>
           </a:extLst>
         </p:spPr>
@@ -1953,7 +1954,7 @@
                 </a:solidFill>
               </a:rPr>
               <a:pPr/>
-              <a:t>4</a:t>
+              <a:t>5</a:t>
             </a:fld>
             <a:endParaRPr lang="en-US" altLang="en-US" sz="1200" b="0">
               <a:solidFill>
@@ -2039,7 +2040,7 @@
               </a14:hiddenLine>
             </a:ext>
             <a:ext uri="{FAA26D3D-D897-4be2-8F04-BA451C77F1D7}">
-              <ma14:placeholderFlag xmlns="" xmlns:ma14="http://schemas.microsoft.com/office/mac/drawingml/2011/main" val="1"/>
+              <ma14:placeholderFlag xmlns:ma14="http://schemas.microsoft.com/office/mac/drawingml/2011/main" xmlns="" val="1"/>
             </a:ext>
           </a:extLst>
         </p:spPr>
@@ -2207,7 +2208,7 @@
                 </a:solidFill>
               </a:rPr>
               <a:pPr/>
-              <a:t>5</a:t>
+              <a:t>6</a:t>
             </a:fld>
             <a:endParaRPr lang="en-US" altLang="en-US" sz="1200" b="0">
               <a:solidFill>
@@ -2293,7 +2294,7 @@
               </a14:hiddenLine>
             </a:ext>
             <a:ext uri="{FAA26D3D-D897-4be2-8F04-BA451C77F1D7}">
-              <ma14:placeholderFlag xmlns="" xmlns:ma14="http://schemas.microsoft.com/office/mac/drawingml/2011/main" val="1"/>
+              <ma14:placeholderFlag xmlns:ma14="http://schemas.microsoft.com/office/mac/drawingml/2011/main" xmlns="" val="1"/>
             </a:ext>
           </a:extLst>
         </p:spPr>
@@ -2458,7 +2459,7 @@
                 </a:solidFill>
               </a:rPr>
               <a:pPr/>
-              <a:t>6</a:t>
+              <a:t>7</a:t>
             </a:fld>
             <a:endParaRPr lang="en-US" altLang="en-US" sz="1200" b="0">
               <a:solidFill>
@@ -2778,7 +2779,7 @@
                 </a:solidFill>
               </a:rPr>
               <a:pPr/>
-              <a:t>8</a:t>
+              <a:t>9</a:t>
             </a:fld>
             <a:endParaRPr lang="en-US" altLang="en-US" sz="1200" b="0">
               <a:solidFill>
@@ -2842,7 +2843,7 @@
               </a14:hiddenLine>
             </a:ext>
             <a:ext uri="{FAA26D3D-D897-4be2-8F04-BA451C77F1D7}">
-              <ma14:placeholderFlag xmlns="" xmlns:ma14="http://schemas.microsoft.com/office/mac/drawingml/2011/main" val="1"/>
+              <ma14:placeholderFlag xmlns:ma14="http://schemas.microsoft.com/office/mac/drawingml/2011/main" xmlns="" val="1"/>
             </a:ext>
           </a:extLst>
         </p:spPr>
@@ -2970,7 +2971,7 @@
           <a:p>
             <a:fld id="{3FC13DA5-2DE0-6D49-B0F1-8E4B6A1CBA23}" type="slidenum">
               <a:rPr lang="en-US" smtClean="0"/>
-              <a:t>9</a:t>
+              <a:t>10</a:t>
             </a:fld>
             <a:endParaRPr lang="en-US"/>
           </a:p>
@@ -3086,7 +3087,7 @@
           <a:p>
             <a:fld id="{3FC13DA5-2DE0-6D49-B0F1-8E4B6A1CBA23}" type="slidenum">
               <a:rPr lang="en-US" smtClean="0"/>
-              <a:t>10</a:t>
+              <a:t>11</a:t>
             </a:fld>
             <a:endParaRPr lang="en-US"/>
           </a:p>
@@ -5437,14 +5438,14 @@
           </a:ln>
           <a:extLst>
             <a:ext uri="{909E8E84-426E-40dd-AFC4-6F175D3DCCD1}">
-              <a14:hiddenFill xmlns="" xmlns:a14="http://schemas.microsoft.com/office/drawing/2010/main">
+              <a14:hiddenFill xmlns:a14="http://schemas.microsoft.com/office/drawing/2010/main" xmlns="">
                 <a:solidFill>
                   <a:schemeClr val="accent1"/>
                 </a:solidFill>
               </a14:hiddenFill>
             </a:ext>
             <a:ext uri="{91240B29-F687-4f45-9708-019B960494DF}">
-              <a14:hiddenLine xmlns="" xmlns:a14="http://schemas.microsoft.com/office/drawing/2010/main" w="9525">
+              <a14:hiddenLine xmlns:a14="http://schemas.microsoft.com/office/drawing/2010/main" xmlns="" w="9525">
                 <a:solidFill>
                   <a:schemeClr val="tx1"/>
                 </a:solidFill>
@@ -6592,6 +6593,130 @@
       </p:sp>
       <p:graphicFrame>
         <p:nvGraphicFramePr>
+          <p:cNvPr id="2" name="Object 1">
+            <a:extLst>
+              <a:ext uri="{FF2B5EF4-FFF2-40B4-BE49-F238E27FC236}">
+                <a16:creationId xmlns:a16="http://schemas.microsoft.com/office/drawing/2014/main" id="{8271C060-B5FB-4CAC-B3C0-335E978839A7}"/>
+              </a:ext>
+            </a:extLst>
+          </p:cNvPr>
+          <p:cNvGraphicFramePr>
+            <a:graphicFrameLocks noChangeAspect="1"/>
+          </p:cNvGraphicFramePr>
+          <p:nvPr>
+            <p:extLst>
+              <p:ext uri="{D42A27DB-BD31-4B8C-83A1-F6EECF244321}">
+                <p14:modId xmlns:p14="http://schemas.microsoft.com/office/powerpoint/2010/main" val="2313992841"/>
+              </p:ext>
+            </p:extLst>
+          </p:nvPr>
+        </p:nvGraphicFramePr>
+        <p:xfrm>
+          <a:off x="1385637" y="1494547"/>
+          <a:ext cx="5284788" cy="4665662"/>
+        </p:xfrm>
+        <a:graphic>
+          <a:graphicData uri="http://schemas.openxmlformats.org/presentationml/2006/ole">
+            <mc:AlternateContent xmlns:mc="http://schemas.openxmlformats.org/markup-compatibility/2006">
+              <mc:Choice xmlns:v="urn:schemas-microsoft-com:vml" Requires="v">
+                <p:oleObj name="Macro-Enabled Worksheet" r:id="rId3" imgW="6508620" imgH="5746588" progId="Excel.SheetMacroEnabled.12">
+                  <p:link updateAutomatic="1"/>
+                </p:oleObj>
+              </mc:Choice>
+              <mc:Fallback>
+                <p:oleObj name="Macro-Enabled Worksheet" r:id="rId3" imgW="6508620" imgH="5746588" progId="Excel.SheetMacroEnabled.12">
+                  <p:link updateAutomatic="1"/>
+                  <p:pic>
+                    <p:nvPicPr>
+                      <p:cNvPr id="0" name=""/>
+                      <p:cNvPicPr/>
+                      <p:nvPr/>
+                    </p:nvPicPr>
+                    <p:blipFill>
+                      <a:blip r:embed="rId4"/>
+                      <a:stretch>
+                        <a:fillRect/>
+                      </a:stretch>
+                    </p:blipFill>
+                    <p:spPr>
+                      <a:xfrm>
+                        <a:off x="1385637" y="1494547"/>
+                        <a:ext cx="5284788" cy="4665662"/>
+                      </a:xfrm>
+                      <a:prstGeom prst="rect">
+                        <a:avLst/>
+                      </a:prstGeom>
+                    </p:spPr>
+                  </p:pic>
+                </p:oleObj>
+              </mc:Fallback>
+            </mc:AlternateContent>
+          </a:graphicData>
+        </a:graphic>
+      </p:graphicFrame>
+    </p:spTree>
+    <p:extLst>
+      <p:ext uri="{BB962C8B-B14F-4D97-AF65-F5344CB8AC3E}">
+        <p14:creationId xmlns:p14="http://schemas.microsoft.com/office/powerpoint/2010/main" val="2361070337"/>
+      </p:ext>
+    </p:extLst>
+  </p:cSld>
+  <p:clrMapOvr>
+    <a:masterClrMapping/>
+  </p:clrMapOvr>
+</p:sld>
+</file>
+
+<file path=ppt/slides/slide11.xml><?xml version="1.0" encoding="utf-8"?>
+<p:sld xmlns:a="http://schemas.openxmlformats.org/drawingml/2006/main" xmlns:r="http://schemas.openxmlformats.org/officeDocument/2006/relationships" xmlns:p="http://schemas.openxmlformats.org/presentationml/2006/main">
+  <p:cSld>
+    <p:spTree>
+      <p:nvGrpSpPr>
+        <p:cNvPr id="1" name=""/>
+        <p:cNvGrpSpPr/>
+        <p:nvPr/>
+      </p:nvGrpSpPr>
+      <p:grpSpPr>
+        <a:xfrm>
+          <a:off x="0" y="0"/>
+          <a:ext cx="0" cy="0"/>
+          <a:chOff x="0" y="0"/>
+          <a:chExt cx="0" cy="0"/>
+        </a:xfrm>
+      </p:grpSpPr>
+      <p:sp>
+        <p:nvSpPr>
+          <p:cNvPr id="21505" name="Title 3"/>
+          <p:cNvSpPr>
+            <a:spLocks noGrp="1"/>
+          </p:cNvSpPr>
+          <p:nvPr>
+            <p:ph type="title"/>
+          </p:nvPr>
+        </p:nvSpPr>
+        <p:spPr>
+          <a:xfrm>
+            <a:off x="1055688" y="892263"/>
+            <a:ext cx="10397836" cy="602284"/>
+          </a:xfrm>
+        </p:spPr>
+        <p:txBody>
+          <a:bodyPr>
+            <a:normAutofit/>
+          </a:bodyPr>
+          <a:lstStyle/>
+          <a:p>
+            <a:r>
+              <a:rPr lang="en-US" altLang="en-US" dirty="0">
+                <a:ea typeface="ＭＳ Ｐゴシック" charset="-128"/>
+              </a:rPr>
+              <a:t>Appraisal Scope – Benchmark Model View</a:t>
+            </a:r>
+          </a:p>
+        </p:txBody>
+      </p:sp>
+      <p:graphicFrame>
+        <p:nvGraphicFramePr>
           <p:cNvPr id="3" name="Object 2">
             <a:extLst>
               <a:ext uri="{FF2B5EF4-FFF2-40B4-BE49-F238E27FC236}">
@@ -6666,7 +6791,7 @@
 </p:sld>
 </file>
 
-<file path=ppt/slides/slide11.xml><?xml version="1.0" encoding="utf-8"?>
+<file path=ppt/slides/slide12.xml><?xml version="1.0" encoding="utf-8"?>
 <p:sld xmlns:a="http://schemas.openxmlformats.org/drawingml/2006/main" xmlns:r="http://schemas.openxmlformats.org/officeDocument/2006/relationships" xmlns:p="http://schemas.openxmlformats.org/presentationml/2006/main">
   <p:cSld>
     <p:spTree>
@@ -6785,7 +6910,7 @@
 </p:sld>
 </file>
 
-<file path=ppt/slides/slide12.xml><?xml version="1.0" encoding="utf-8"?>
+<file path=ppt/slides/slide13.xml><?xml version="1.0" encoding="utf-8"?>
 <p:sld xmlns:a="http://schemas.openxmlformats.org/drawingml/2006/main" xmlns:r="http://schemas.openxmlformats.org/officeDocument/2006/relationships" xmlns:p="http://schemas.openxmlformats.org/presentationml/2006/main">
   <p:cSld>
     <p:spTree>
@@ -6904,7 +7029,7 @@
 </p:sld>
 </file>
 
-<file path=ppt/slides/slide13.xml><?xml version="1.0" encoding="utf-8"?>
+<file path=ppt/slides/slide14.xml><?xml version="1.0" encoding="utf-8"?>
 <p:sld xmlns:a="http://schemas.openxmlformats.org/drawingml/2006/main" xmlns:r="http://schemas.openxmlformats.org/officeDocument/2006/relationships" xmlns:p="http://schemas.openxmlformats.org/presentationml/2006/main">
   <p:cSld>
     <p:spTree>
@@ -7031,7 +7156,7 @@
 </p:sld>
 </file>
 
-<file path=ppt/slides/slide14.xml><?xml version="1.0" encoding="utf-8"?>
+<file path=ppt/slides/slide15.xml><?xml version="1.0" encoding="utf-8"?>
 <p:sld xmlns:a="http://schemas.openxmlformats.org/drawingml/2006/main" xmlns:r="http://schemas.openxmlformats.org/officeDocument/2006/relationships" xmlns:p="http://schemas.openxmlformats.org/presentationml/2006/main">
   <p:cSld>
     <p:spTree>
@@ -7155,7 +7280,7 @@
 </p:sld>
 </file>
 
-<file path=ppt/slides/slide15.xml><?xml version="1.0" encoding="utf-8"?>
+<file path=ppt/slides/slide16.xml><?xml version="1.0" encoding="utf-8"?>
 <p:sld xmlns:a="http://schemas.openxmlformats.org/drawingml/2006/main" xmlns:r="http://schemas.openxmlformats.org/officeDocument/2006/relationships" xmlns:p="http://schemas.openxmlformats.org/presentationml/2006/main">
   <p:cSld>
     <p:spTree>
@@ -7232,7 +7357,7 @@
 </p:sld>
 </file>
 
-<file path=ppt/slides/slide16.xml><?xml version="1.0" encoding="utf-8"?>
+<file path=ppt/slides/slide17.xml><?xml version="1.0" encoding="utf-8"?>
 <p:sld xmlns:a="http://schemas.openxmlformats.org/drawingml/2006/main" xmlns:r="http://schemas.openxmlformats.org/officeDocument/2006/relationships" xmlns:p="http://schemas.openxmlformats.org/presentationml/2006/main">
   <p:cSld>
     <p:spTree>
@@ -7413,7 +7538,7 @@
 </p:sld>
 </file>
 
-<file path=ppt/slides/slide17.xml><?xml version="1.0" encoding="utf-8"?>
+<file path=ppt/slides/slide18.xml><?xml version="1.0" encoding="utf-8"?>
 <p:sld xmlns:a="http://schemas.openxmlformats.org/drawingml/2006/main" xmlns:r="http://schemas.openxmlformats.org/officeDocument/2006/relationships" xmlns:p="http://schemas.openxmlformats.org/presentationml/2006/main">
   <p:cSld>
     <p:spTree>
@@ -7530,7 +7655,7 @@
 </p:sld>
 </file>
 
-<file path=ppt/slides/slide18.xml><?xml version="1.0" encoding="utf-8"?>
+<file path=ppt/slides/slide19.xml><?xml version="1.0" encoding="utf-8"?>
 <p:sld xmlns:a="http://schemas.openxmlformats.org/drawingml/2006/main" xmlns:r="http://schemas.openxmlformats.org/officeDocument/2006/relationships" xmlns:p="http://schemas.openxmlformats.org/presentationml/2006/main">
   <p:cSld>
     <p:spTree>
@@ -7647,132 +7772,6 @@
     <p:extLst>
       <p:ext uri="{BB962C8B-B14F-4D97-AF65-F5344CB8AC3E}">
         <p14:creationId xmlns:p14="http://schemas.microsoft.com/office/powerpoint/2010/main" val="3151743786"/>
-      </p:ext>
-    </p:extLst>
-  </p:cSld>
-  <p:clrMapOvr>
-    <a:masterClrMapping/>
-  </p:clrMapOvr>
-</p:sld>
-</file>
-
-<file path=ppt/slides/slide19.xml><?xml version="1.0" encoding="utf-8"?>
-<p:sld xmlns:a="http://schemas.openxmlformats.org/drawingml/2006/main" xmlns:r="http://schemas.openxmlformats.org/officeDocument/2006/relationships" xmlns:p="http://schemas.openxmlformats.org/presentationml/2006/main">
-  <p:cSld>
-    <p:spTree>
-      <p:nvGrpSpPr>
-        <p:cNvPr id="1" name=""/>
-        <p:cNvGrpSpPr/>
-        <p:nvPr/>
-      </p:nvGrpSpPr>
-      <p:grpSpPr>
-        <a:xfrm>
-          <a:off x="0" y="0"/>
-          <a:ext cx="0" cy="0"/>
-          <a:chOff x="0" y="0"/>
-          <a:chExt cx="0" cy="0"/>
-        </a:xfrm>
-      </p:grpSpPr>
-      <p:sp>
-        <p:nvSpPr>
-          <p:cNvPr id="2" name="Title 1">
-            <a:extLst>
-              <a:ext uri="{FF2B5EF4-FFF2-40B4-BE49-F238E27FC236}">
-                <a16:creationId xmlns:a16="http://schemas.microsoft.com/office/drawing/2014/main" id="{EB4E16E6-A265-E647-863D-E6356B5F3E6D}"/>
-              </a:ext>
-            </a:extLst>
-          </p:cNvPr>
-          <p:cNvSpPr>
-            <a:spLocks noGrp="1"/>
-          </p:cNvSpPr>
-          <p:nvPr>
-            <p:ph type="title"/>
-          </p:nvPr>
-        </p:nvSpPr>
-        <p:spPr>
-          <a:xfrm>
-            <a:off x="1055688" y="214371"/>
-            <a:ext cx="10397836" cy="602284"/>
-          </a:xfrm>
-        </p:spPr>
-        <p:txBody>
-          <a:bodyPr/>
-          <a:lstStyle/>
-          <a:p>
-            <a:r>
-              <a:rPr lang="en-US" dirty="0"/>
-              <a:t>Appraisal Outputs</a:t>
-            </a:r>
-          </a:p>
-        </p:txBody>
-      </p:sp>
-      <p:graphicFrame>
-        <p:nvGraphicFramePr>
-          <p:cNvPr id="3" name="Object 2">
-            <a:extLst>
-              <a:ext uri="{FF2B5EF4-FFF2-40B4-BE49-F238E27FC236}">
-                <a16:creationId xmlns:a16="http://schemas.microsoft.com/office/drawing/2014/main" id="{04EF63E8-7549-4BEB-A50D-A9F4321F3400}"/>
-              </a:ext>
-            </a:extLst>
-          </p:cNvPr>
-          <p:cNvGraphicFramePr>
-            <a:graphicFrameLocks noChangeAspect="1"/>
-          </p:cNvGraphicFramePr>
-          <p:nvPr>
-            <p:extLst>
-              <p:ext uri="{D42A27DB-BD31-4B8C-83A1-F6EECF244321}">
-                <p14:modId xmlns:p14="http://schemas.microsoft.com/office/powerpoint/2010/main" val="3089919488"/>
-              </p:ext>
-            </p:extLst>
-          </p:nvPr>
-        </p:nvGraphicFramePr>
-        <p:xfrm>
-          <a:off x="1119188" y="1630363"/>
-          <a:ext cx="8407400" cy="2813050"/>
-        </p:xfrm>
-        <a:graphic>
-          <a:graphicData uri="http://schemas.openxmlformats.org/presentationml/2006/ole">
-            <mc:AlternateContent xmlns:mc="http://schemas.openxmlformats.org/markup-compatibility/2006">
-              <mc:Choice xmlns:v="urn:schemas-microsoft-com:vml" Requires="v">
-                <p:oleObj name="Macro-Enabled Worksheet" r:id="rId2" imgW="8407504" imgH="2813027" progId="Excel.SheetMacroEnabled.12">
-                  <p:link updateAutomatic="1"/>
-                </p:oleObj>
-              </mc:Choice>
-              <mc:Fallback>
-                <p:oleObj name="Macro-Enabled Worksheet" r:id="rId2" imgW="8407504" imgH="2813027" progId="Excel.SheetMacroEnabled.12">
-                  <p:link updateAutomatic="1"/>
-                  <p:pic>
-                    <p:nvPicPr>
-                      <p:cNvPr id="0" name=""/>
-                      <p:cNvPicPr/>
-                      <p:nvPr/>
-                    </p:nvPicPr>
-                    <p:blipFill>
-                      <a:blip r:embed="rId3"/>
-                      <a:stretch>
-                        <a:fillRect/>
-                      </a:stretch>
-                    </p:blipFill>
-                    <p:spPr>
-                      <a:xfrm>
-                        <a:off x="1119188" y="1630363"/>
-                        <a:ext cx="8407400" cy="2813050"/>
-                      </a:xfrm>
-                      <a:prstGeom prst="rect">
-                        <a:avLst/>
-                      </a:prstGeom>
-                    </p:spPr>
-                  </p:pic>
-                </p:oleObj>
-              </mc:Fallback>
-            </mc:AlternateContent>
-          </a:graphicData>
-        </a:graphic>
-      </p:graphicFrame>
-    </p:spTree>
-    <p:extLst>
-      <p:ext uri="{BB962C8B-B14F-4D97-AF65-F5344CB8AC3E}">
-        <p14:creationId xmlns:p14="http://schemas.microsoft.com/office/powerpoint/2010/main" val="1305494824"/>
       </p:ext>
     </p:extLst>
   </p:cSld>
@@ -8988,54 +8987,104 @@
       </p:grpSpPr>
       <p:sp>
         <p:nvSpPr>
-          <p:cNvPr id="5" name="Title 4"/>
+          <p:cNvPr id="2" name="Title 1">
+            <a:extLst>
+              <a:ext uri="{FF2B5EF4-FFF2-40B4-BE49-F238E27FC236}">
+                <a16:creationId xmlns:a16="http://schemas.microsoft.com/office/drawing/2014/main" id="{EB4E16E6-A265-E647-863D-E6356B5F3E6D}"/>
+              </a:ext>
+            </a:extLst>
+          </p:cNvPr>
           <p:cNvSpPr>
             <a:spLocks noGrp="1"/>
           </p:cNvSpPr>
           <p:nvPr>
-            <p:ph type="ctrTitle"/>
-          </p:nvPr>
-        </p:nvSpPr>
-        <p:spPr/>
+            <p:ph type="title"/>
+          </p:nvPr>
+        </p:nvSpPr>
+        <p:spPr>
+          <a:xfrm>
+            <a:off x="1055688" y="214371"/>
+            <a:ext cx="10397836" cy="602284"/>
+          </a:xfrm>
+        </p:spPr>
         <p:txBody>
           <a:bodyPr/>
           <a:lstStyle/>
           <a:p>
             <a:r>
-              <a:rPr lang="en-ZA" dirty="0">
-                <a:hlinkClick r:id="rId2" action="ppaction://hlinkfile"/>
-              </a:rPr>
-              <a:t>Appraisal Schedule</a:t>
-            </a:r>
-            <a:endParaRPr lang="en-ZA" dirty="0">
-              <a:hlinkClick r:id="rId3" action="ppaction://hlinkfile"/>
-            </a:endParaRPr>
+              <a:rPr lang="en-US" dirty="0"/>
+              <a:t>Appraisal Outputs</a:t>
+            </a:r>
           </a:p>
         </p:txBody>
       </p:sp>
-      <p:sp>
-        <p:nvSpPr>
-          <p:cNvPr id="6" name="Subtitle 5"/>
-          <p:cNvSpPr>
-            <a:spLocks noGrp="1"/>
-          </p:cNvSpPr>
-          <p:nvPr>
-            <p:ph type="subTitle" idx="1"/>
-          </p:nvPr>
-        </p:nvSpPr>
-        <p:spPr/>
-        <p:txBody>
-          <a:bodyPr/>
-          <a:lstStyle/>
-          <a:p>
-            <a:endParaRPr lang="en-ZA" dirty="0"/>
-          </a:p>
-        </p:txBody>
-      </p:sp>
+      <p:graphicFrame>
+        <p:nvGraphicFramePr>
+          <p:cNvPr id="3" name="Object 2">
+            <a:extLst>
+              <a:ext uri="{FF2B5EF4-FFF2-40B4-BE49-F238E27FC236}">
+                <a16:creationId xmlns:a16="http://schemas.microsoft.com/office/drawing/2014/main" id="{04EF63E8-7549-4BEB-A50D-A9F4321F3400}"/>
+              </a:ext>
+            </a:extLst>
+          </p:cNvPr>
+          <p:cNvGraphicFramePr>
+            <a:graphicFrameLocks noChangeAspect="1"/>
+          </p:cNvGraphicFramePr>
+          <p:nvPr>
+            <p:extLst>
+              <p:ext uri="{D42A27DB-BD31-4B8C-83A1-F6EECF244321}">
+                <p14:modId xmlns:p14="http://schemas.microsoft.com/office/powerpoint/2010/main" val="3089919488"/>
+              </p:ext>
+            </p:extLst>
+          </p:nvPr>
+        </p:nvGraphicFramePr>
+        <p:xfrm>
+          <a:off x="1119188" y="1630363"/>
+          <a:ext cx="8407400" cy="2813050"/>
+        </p:xfrm>
+        <a:graphic>
+          <a:graphicData uri="http://schemas.openxmlformats.org/presentationml/2006/ole">
+            <mc:AlternateContent xmlns:mc="http://schemas.openxmlformats.org/markup-compatibility/2006">
+              <mc:Choice xmlns:v="urn:schemas-microsoft-com:vml" Requires="v">
+                <p:oleObj name="Macro-Enabled Worksheet" r:id="rId2" imgW="8407504" imgH="2813027" progId="Excel.SheetMacroEnabled.12">
+                  <p:link updateAutomatic="1"/>
+                </p:oleObj>
+              </mc:Choice>
+              <mc:Fallback>
+                <p:oleObj name="Macro-Enabled Worksheet" r:id="rId2" imgW="8407504" imgH="2813027" progId="Excel.SheetMacroEnabled.12">
+                  <p:link updateAutomatic="1"/>
+                  <p:pic>
+                    <p:nvPicPr>
+                      <p:cNvPr id="0" name=""/>
+                      <p:cNvPicPr/>
+                      <p:nvPr/>
+                    </p:nvPicPr>
+                    <p:blipFill>
+                      <a:blip r:embed="rId3"/>
+                      <a:stretch>
+                        <a:fillRect/>
+                      </a:stretch>
+                    </p:blipFill>
+                    <p:spPr>
+                      <a:xfrm>
+                        <a:off x="1119188" y="1630363"/>
+                        <a:ext cx="8407400" cy="2813050"/>
+                      </a:xfrm>
+                      <a:prstGeom prst="rect">
+                        <a:avLst/>
+                      </a:prstGeom>
+                    </p:spPr>
+                  </p:pic>
+                </p:oleObj>
+              </mc:Fallback>
+            </mc:AlternateContent>
+          </a:graphicData>
+        </a:graphic>
+      </p:graphicFrame>
     </p:spTree>
     <p:extLst>
       <p:ext uri="{BB962C8B-B14F-4D97-AF65-F5344CB8AC3E}">
-        <p14:creationId xmlns:p14="http://schemas.microsoft.com/office/powerpoint/2010/main" val="3507940266"/>
+        <p14:creationId xmlns:p14="http://schemas.microsoft.com/office/powerpoint/2010/main" val="1305494824"/>
       </p:ext>
     </p:extLst>
   </p:cSld>
@@ -9062,6 +9111,82 @@
           <a:chExt cx="0" cy="0"/>
         </a:xfrm>
       </p:grpSpPr>
+      <p:sp>
+        <p:nvSpPr>
+          <p:cNvPr id="5" name="Title 4"/>
+          <p:cNvSpPr>
+            <a:spLocks noGrp="1"/>
+          </p:cNvSpPr>
+          <p:nvPr>
+            <p:ph type="ctrTitle"/>
+          </p:nvPr>
+        </p:nvSpPr>
+        <p:spPr/>
+        <p:txBody>
+          <a:bodyPr/>
+          <a:lstStyle/>
+          <a:p>
+            <a:r>
+              <a:rPr lang="en-ZA" dirty="0">
+                <a:hlinkClick r:id="rId2" action="ppaction://hlinkfile"/>
+              </a:rPr>
+              <a:t>Appraisal Schedule</a:t>
+            </a:r>
+            <a:endParaRPr lang="en-ZA" dirty="0">
+              <a:hlinkClick r:id="rId3" action="ppaction://hlinkfile"/>
+            </a:endParaRPr>
+          </a:p>
+        </p:txBody>
+      </p:sp>
+      <p:sp>
+        <p:nvSpPr>
+          <p:cNvPr id="6" name="Subtitle 5"/>
+          <p:cNvSpPr>
+            <a:spLocks noGrp="1"/>
+          </p:cNvSpPr>
+          <p:nvPr>
+            <p:ph type="subTitle" idx="1"/>
+          </p:nvPr>
+        </p:nvSpPr>
+        <p:spPr/>
+        <p:txBody>
+          <a:bodyPr/>
+          <a:lstStyle/>
+          <a:p>
+            <a:endParaRPr lang="en-ZA" dirty="0"/>
+          </a:p>
+        </p:txBody>
+      </p:sp>
+    </p:spTree>
+    <p:extLst>
+      <p:ext uri="{BB962C8B-B14F-4D97-AF65-F5344CB8AC3E}">
+        <p14:creationId xmlns:p14="http://schemas.microsoft.com/office/powerpoint/2010/main" val="3507940266"/>
+      </p:ext>
+    </p:extLst>
+  </p:cSld>
+  <p:clrMapOvr>
+    <a:masterClrMapping/>
+  </p:clrMapOvr>
+</p:sld>
+</file>
+
+<file path=ppt/slides/slide22.xml><?xml version="1.0" encoding="utf-8"?>
+<p:sld xmlns:a="http://schemas.openxmlformats.org/drawingml/2006/main" xmlns:r="http://schemas.openxmlformats.org/officeDocument/2006/relationships" xmlns:p="http://schemas.openxmlformats.org/presentationml/2006/main">
+  <p:cSld>
+    <p:spTree>
+      <p:nvGrpSpPr>
+        <p:cNvPr id="1" name=""/>
+        <p:cNvGrpSpPr/>
+        <p:nvPr/>
+      </p:nvGrpSpPr>
+      <p:grpSpPr>
+        <a:xfrm>
+          <a:off x="0" y="0"/>
+          <a:ext cx="0" cy="0"/>
+          <a:chOff x="0" y="0"/>
+          <a:chExt cx="0" cy="0"/>
+        </a:xfrm>
+      </p:grpSpPr>
       <p:pic>
         <p:nvPicPr>
           <p:cNvPr id="65538" name="Picture 5"/>
@@ -9127,7 +9252,7 @@
 </p:sld>
 </file>
 
-<file path=ppt/slides/slide22.xml><?xml version="1.0" encoding="utf-8"?>
+<file path=ppt/slides/slide23.xml><?xml version="1.0" encoding="utf-8"?>
 <p:sld xmlns:a="http://schemas.openxmlformats.org/drawingml/2006/main" xmlns:r="http://schemas.openxmlformats.org/officeDocument/2006/relationships" xmlns:p="http://schemas.openxmlformats.org/presentationml/2006/main">
   <p:cSld>
     <p:spTree>
@@ -9261,6 +9386,258 @@
       </p:grpSpPr>
       <p:sp>
         <p:nvSpPr>
+          <p:cNvPr id="2" name="Title 1">
+            <a:extLst>
+              <a:ext uri="{FF2B5EF4-FFF2-40B4-BE49-F238E27FC236}">
+                <a16:creationId xmlns:a16="http://schemas.microsoft.com/office/drawing/2014/main" id="{67B56AC6-8B5D-4EE0-897A-9EECC0280655}"/>
+              </a:ext>
+            </a:extLst>
+          </p:cNvPr>
+          <p:cNvSpPr>
+            <a:spLocks noGrp="1"/>
+          </p:cNvSpPr>
+          <p:nvPr>
+            <p:ph type="title"/>
+          </p:nvPr>
+        </p:nvSpPr>
+        <p:spPr>
+          <a:xfrm>
+            <a:off x="951442" y="908050"/>
+            <a:ext cx="10397836" cy="602284"/>
+          </a:xfrm>
+        </p:spPr>
+        <p:txBody>
+          <a:bodyPr/>
+          <a:lstStyle/>
+          <a:p>
+            <a:r>
+              <a:rPr lang="en-ZA" dirty="0" err="1"/>
+              <a:t>DEMIXIUM</a:t>
+            </a:r>
+            <a:endParaRPr lang="en-ZA" dirty="0"/>
+          </a:p>
+        </p:txBody>
+      </p:sp>
+      <p:grpSp>
+        <p:nvGrpSpPr>
+          <p:cNvPr id="14" name="Group 13">
+            <a:extLst>
+              <a:ext uri="{FF2B5EF4-FFF2-40B4-BE49-F238E27FC236}">
+                <a16:creationId xmlns:a16="http://schemas.microsoft.com/office/drawing/2014/main" id="{9BCE02E9-B639-4352-9CD8-7319ACA08735}"/>
+              </a:ext>
+            </a:extLst>
+          </p:cNvPr>
+          <p:cNvGrpSpPr/>
+          <p:nvPr/>
+        </p:nvGrpSpPr>
+        <p:grpSpPr>
+          <a:xfrm>
+            <a:off x="4465481" y="1878295"/>
+            <a:ext cx="2719052" cy="4415485"/>
+            <a:chOff x="4440140" y="1417173"/>
+            <a:chExt cx="2719052" cy="4415485"/>
+          </a:xfrm>
+        </p:grpSpPr>
+        <p:sp>
+          <p:nvSpPr>
+            <p:cNvPr id="4" name="Arrow: Up 3">
+              <a:extLst>
+                <a:ext uri="{FF2B5EF4-FFF2-40B4-BE49-F238E27FC236}">
+                  <a16:creationId xmlns:a16="http://schemas.microsoft.com/office/drawing/2014/main" id="{2D3100A3-8319-4488-9BD8-FA36065DF984}"/>
+                </a:ext>
+              </a:extLst>
+            </p:cNvPr>
+            <p:cNvSpPr/>
+            <p:nvPr/>
+          </p:nvSpPr>
+          <p:spPr>
+            <a:xfrm>
+              <a:off x="4638776" y="1417173"/>
+              <a:ext cx="2321781" cy="3657600"/>
+            </a:xfrm>
+            <a:prstGeom prst="upArrow">
+              <a:avLst/>
+            </a:prstGeom>
+            <a:solidFill>
+              <a:srgbClr val="299EC4"/>
+            </a:solidFill>
+            <a:ln>
+              <a:noFill/>
+            </a:ln>
+          </p:spPr>
+          <p:style>
+            <a:lnRef idx="2">
+              <a:schemeClr val="accent1">
+                <a:shade val="50000"/>
+              </a:schemeClr>
+            </a:lnRef>
+            <a:fillRef idx="1">
+              <a:schemeClr val="accent1"/>
+            </a:fillRef>
+            <a:effectRef idx="0">
+              <a:schemeClr val="accent1"/>
+            </a:effectRef>
+            <a:fontRef idx="minor">
+              <a:schemeClr val="lt1"/>
+            </a:fontRef>
+          </p:style>
+          <p:txBody>
+            <a:bodyPr rtlCol="0" anchor="ctr"/>
+            <a:lstStyle/>
+            <a:p>
+              <a:pPr algn="ctr"/>
+              <a:endParaRPr lang="en-ZA"/>
+            </a:p>
+          </p:txBody>
+        </p:sp>
+        <p:pic>
+          <p:nvPicPr>
+            <p:cNvPr id="3" name="Picture 2">
+              <a:extLst>
+                <a:ext uri="{FF2B5EF4-FFF2-40B4-BE49-F238E27FC236}">
+                  <a16:creationId xmlns:a16="http://schemas.microsoft.com/office/drawing/2014/main" id="{F78F0F7F-3E23-4ED2-ABCC-98187E77EC22}"/>
+                </a:ext>
+              </a:extLst>
+            </p:cNvPr>
+            <p:cNvPicPr>
+              <a:picLocks noChangeAspect="1"/>
+            </p:cNvPicPr>
+            <p:nvPr/>
+          </p:nvPicPr>
+          <p:blipFill>
+            <a:blip r:embed="rId2"/>
+            <a:stretch>
+              <a:fillRect/>
+            </a:stretch>
+          </p:blipFill>
+          <p:spPr>
+            <a:xfrm>
+              <a:off x="4440140" y="2583208"/>
+              <a:ext cx="2719052" cy="3249450"/>
+            </a:xfrm>
+            <a:prstGeom prst="rect">
+              <a:avLst/>
+            </a:prstGeom>
+          </p:spPr>
+        </p:pic>
+      </p:grpSp>
+      <p:sp>
+        <p:nvSpPr>
+          <p:cNvPr id="15" name="TextBox 14">
+            <a:extLst>
+              <a:ext uri="{FF2B5EF4-FFF2-40B4-BE49-F238E27FC236}">
+                <a16:creationId xmlns:a16="http://schemas.microsoft.com/office/drawing/2014/main" id="{8D84EF48-EF5E-49FA-B6A9-E5C80B9C0007}"/>
+              </a:ext>
+            </a:extLst>
+          </p:cNvPr>
+          <p:cNvSpPr txBox="1"/>
+          <p:nvPr/>
+        </p:nvSpPr>
+        <p:spPr>
+          <a:xfrm>
+            <a:off x="951442" y="1307835"/>
+            <a:ext cx="3514039" cy="369332"/>
+          </a:xfrm>
+          <a:prstGeom prst="rect">
+            <a:avLst/>
+          </a:prstGeom>
+          <a:noFill/>
+        </p:spPr>
+        <p:txBody>
+          <a:bodyPr wrap="none" rtlCol="0">
+            <a:spAutoFit/>
+          </a:bodyPr>
+          <a:lstStyle/>
+          <a:p>
+            <a:r>
+              <a:rPr lang="en-ZA" dirty="0" err="1"/>
+              <a:t>Demixium</a:t>
+            </a:r>
+            <a:r>
+              <a:rPr lang="en-ZA" dirty="0"/>
+              <a:t> © Copyright Demix 2021</a:t>
+            </a:r>
+          </a:p>
+        </p:txBody>
+      </p:sp>
+      <p:sp>
+        <p:nvSpPr>
+          <p:cNvPr id="8" name="TextBox 7">
+            <a:extLst>
+              <a:ext uri="{FF2B5EF4-FFF2-40B4-BE49-F238E27FC236}">
+                <a16:creationId xmlns:a16="http://schemas.microsoft.com/office/drawing/2014/main" id="{C5021C6B-98B3-4617-86D6-C346F83D70CA}"/>
+              </a:ext>
+            </a:extLst>
+          </p:cNvPr>
+          <p:cNvSpPr txBox="1"/>
+          <p:nvPr/>
+        </p:nvSpPr>
+        <p:spPr>
+          <a:xfrm>
+            <a:off x="2777670" y="5844796"/>
+            <a:ext cx="6094674" cy="584775"/>
+          </a:xfrm>
+          <a:prstGeom prst="rect">
+            <a:avLst/>
+          </a:prstGeom>
+          <a:noFill/>
+        </p:spPr>
+        <p:txBody>
+          <a:bodyPr wrap="square">
+            <a:spAutoFit/>
+          </a:bodyPr>
+          <a:lstStyle/>
+          <a:p>
+            <a:pPr algn="ctr"/>
+            <a:r>
+              <a:rPr lang="en-ZA" sz="1600" dirty="0" err="1">
+                <a:hlinkClick r:id="rId3"/>
+              </a:rPr>
+              <a:t>www.demixium.com</a:t>
+            </a:r>
+            <a:endParaRPr lang="en-ZA" sz="1600" dirty="0"/>
+          </a:p>
+          <a:p>
+            <a:pPr algn="ctr"/>
+            <a:r>
+              <a:rPr lang="en-ZA" sz="1600" dirty="0"/>
+              <a:t>Create | Evolve | Perfect </a:t>
+            </a:r>
+          </a:p>
+        </p:txBody>
+      </p:sp>
+    </p:spTree>
+    <p:extLst>
+      <p:ext uri="{BB962C8B-B14F-4D97-AF65-F5344CB8AC3E}">
+        <p14:creationId xmlns:p14="http://schemas.microsoft.com/office/powerpoint/2010/main" val="1265306555"/>
+      </p:ext>
+    </p:extLst>
+  </p:cSld>
+  <p:clrMapOvr>
+    <a:masterClrMapping/>
+  </p:clrMapOvr>
+</p:sld>
+</file>
+
+<file path=ppt/slides/slide4.xml><?xml version="1.0" encoding="utf-8"?>
+<p:sld xmlns:a="http://schemas.openxmlformats.org/drawingml/2006/main" xmlns:r="http://schemas.openxmlformats.org/officeDocument/2006/relationships" xmlns:p="http://schemas.openxmlformats.org/presentationml/2006/main">
+  <p:cSld>
+    <p:spTree>
+      <p:nvGrpSpPr>
+        <p:cNvPr id="1" name=""/>
+        <p:cNvGrpSpPr/>
+        <p:nvPr/>
+      </p:nvGrpSpPr>
+      <p:grpSpPr>
+        <a:xfrm>
+          <a:off x="0" y="0"/>
+          <a:ext cx="0" cy="0"/>
+          <a:chOff x="0" y="0"/>
+          <a:chExt cx="0" cy="0"/>
+        </a:xfrm>
+      </p:grpSpPr>
+      <p:sp>
+        <p:nvSpPr>
           <p:cNvPr id="4" name="Title 3">
             <a:extLst>
               <a:ext uri="{FF2B5EF4-FFF2-40B4-BE49-F238E27FC236}">
@@ -9302,7 +9679,7 @@
 </p:sld>
 </file>
 
-<file path=ppt/slides/slide4.xml><?xml version="1.0" encoding="utf-8"?>
+<file path=ppt/slides/slide5.xml><?xml version="1.0" encoding="utf-8"?>
 <p:sld xmlns:a="http://schemas.openxmlformats.org/drawingml/2006/main" xmlns:r="http://schemas.openxmlformats.org/officeDocument/2006/relationships" xmlns:p="http://schemas.openxmlformats.org/presentationml/2006/main">
   <p:cSld>
     <p:spTree>
@@ -9425,7 +9802,7 @@
 </p:sld>
 </file>
 
-<file path=ppt/slides/slide5.xml><?xml version="1.0" encoding="utf-8"?>
+<file path=ppt/slides/slide6.xml><?xml version="1.0" encoding="utf-8"?>
 <p:sld xmlns:a="http://schemas.openxmlformats.org/drawingml/2006/main" xmlns:r="http://schemas.openxmlformats.org/officeDocument/2006/relationships" xmlns:p="http://schemas.openxmlformats.org/presentationml/2006/main">
   <p:cSld>
     <p:spTree>
@@ -9543,7 +9920,7 @@
 </p:sld>
 </file>
 
-<file path=ppt/slides/slide6.xml><?xml version="1.0" encoding="utf-8"?>
+<file path=ppt/slides/slide7.xml><?xml version="1.0" encoding="utf-8"?>
 <p:sld xmlns:a="http://schemas.openxmlformats.org/drawingml/2006/main" xmlns:r="http://schemas.openxmlformats.org/officeDocument/2006/relationships" xmlns:p="http://schemas.openxmlformats.org/presentationml/2006/main">
   <p:cSld>
     <p:spTree>
@@ -9661,7 +10038,7 @@
 </p:sld>
 </file>
 
-<file path=ppt/slides/slide7.xml><?xml version="1.0" encoding="utf-8"?>
+<file path=ppt/slides/slide8.xml><?xml version="1.0" encoding="utf-8"?>
 <p:sld xmlns:a="http://schemas.openxmlformats.org/drawingml/2006/main" xmlns:r="http://schemas.openxmlformats.org/officeDocument/2006/relationships" xmlns:p="http://schemas.openxmlformats.org/presentationml/2006/main">
   <p:cSld>
     <p:spTree>
@@ -9931,7 +10308,7 @@
 </p:sld>
 </file>
 
-<file path=ppt/slides/slide8.xml><?xml version="1.0" encoding="utf-8"?>
+<file path=ppt/slides/slide9.xml><?xml version="1.0" encoding="utf-8"?>
 <p:sld xmlns:a="http://schemas.openxmlformats.org/drawingml/2006/main" xmlns:r="http://schemas.openxmlformats.org/officeDocument/2006/relationships" xmlns:p="http://schemas.openxmlformats.org/presentationml/2006/main">
   <p:cSld>
     <p:spTree>
@@ -10040,130 +10417,6 @@
     <p:extLst>
       <p:ext uri="{BB962C8B-B14F-4D97-AF65-F5344CB8AC3E}">
         <p14:creationId xmlns:p14="http://schemas.microsoft.com/office/powerpoint/2010/main" val="483676438"/>
-      </p:ext>
-    </p:extLst>
-  </p:cSld>
-  <p:clrMapOvr>
-    <a:masterClrMapping/>
-  </p:clrMapOvr>
-</p:sld>
-</file>
-
-<file path=ppt/slides/slide9.xml><?xml version="1.0" encoding="utf-8"?>
-<p:sld xmlns:a="http://schemas.openxmlformats.org/drawingml/2006/main" xmlns:r="http://schemas.openxmlformats.org/officeDocument/2006/relationships" xmlns:p="http://schemas.openxmlformats.org/presentationml/2006/main">
-  <p:cSld>
-    <p:spTree>
-      <p:nvGrpSpPr>
-        <p:cNvPr id="1" name=""/>
-        <p:cNvGrpSpPr/>
-        <p:nvPr/>
-      </p:nvGrpSpPr>
-      <p:grpSpPr>
-        <a:xfrm>
-          <a:off x="0" y="0"/>
-          <a:ext cx="0" cy="0"/>
-          <a:chOff x="0" y="0"/>
-          <a:chExt cx="0" cy="0"/>
-        </a:xfrm>
-      </p:grpSpPr>
-      <p:sp>
-        <p:nvSpPr>
-          <p:cNvPr id="21505" name="Title 3"/>
-          <p:cNvSpPr>
-            <a:spLocks noGrp="1"/>
-          </p:cNvSpPr>
-          <p:nvPr>
-            <p:ph type="title"/>
-          </p:nvPr>
-        </p:nvSpPr>
-        <p:spPr>
-          <a:xfrm>
-            <a:off x="1055688" y="892263"/>
-            <a:ext cx="10397836" cy="602284"/>
-          </a:xfrm>
-        </p:spPr>
-        <p:txBody>
-          <a:bodyPr>
-            <a:normAutofit/>
-          </a:bodyPr>
-          <a:lstStyle/>
-          <a:p>
-            <a:r>
-              <a:rPr lang="en-US" altLang="en-US" dirty="0">
-                <a:ea typeface="ＭＳ Ｐゴシック" charset="-128"/>
-              </a:rPr>
-              <a:t>Appraisal Scope – Benchmark Model View</a:t>
-            </a:r>
-          </a:p>
-        </p:txBody>
-      </p:sp>
-      <p:graphicFrame>
-        <p:nvGraphicFramePr>
-          <p:cNvPr id="2" name="Object 1">
-            <a:extLst>
-              <a:ext uri="{FF2B5EF4-FFF2-40B4-BE49-F238E27FC236}">
-                <a16:creationId xmlns:a16="http://schemas.microsoft.com/office/drawing/2014/main" id="{8271C060-B5FB-4CAC-B3C0-335E978839A7}"/>
-              </a:ext>
-            </a:extLst>
-          </p:cNvPr>
-          <p:cNvGraphicFramePr>
-            <a:graphicFrameLocks noChangeAspect="1"/>
-          </p:cNvGraphicFramePr>
-          <p:nvPr>
-            <p:extLst>
-              <p:ext uri="{D42A27DB-BD31-4B8C-83A1-F6EECF244321}">
-                <p14:modId xmlns:p14="http://schemas.microsoft.com/office/powerpoint/2010/main" val="2313992841"/>
-              </p:ext>
-            </p:extLst>
-          </p:nvPr>
-        </p:nvGraphicFramePr>
-        <p:xfrm>
-          <a:off x="1385637" y="1494547"/>
-          <a:ext cx="5284788" cy="4665662"/>
-        </p:xfrm>
-        <a:graphic>
-          <a:graphicData uri="http://schemas.openxmlformats.org/presentationml/2006/ole">
-            <mc:AlternateContent xmlns:mc="http://schemas.openxmlformats.org/markup-compatibility/2006">
-              <mc:Choice xmlns:v="urn:schemas-microsoft-com:vml" Requires="v">
-                <p:oleObj name="Macro-Enabled Worksheet" r:id="rId3" imgW="6508620" imgH="5746588" progId="Excel.SheetMacroEnabled.12">
-                  <p:link updateAutomatic="1"/>
-                </p:oleObj>
-              </mc:Choice>
-              <mc:Fallback>
-                <p:oleObj name="Macro-Enabled Worksheet" r:id="rId3" imgW="6508620" imgH="5746588" progId="Excel.SheetMacroEnabled.12">
-                  <p:link updateAutomatic="1"/>
-                  <p:pic>
-                    <p:nvPicPr>
-                      <p:cNvPr id="0" name=""/>
-                      <p:cNvPicPr/>
-                      <p:nvPr/>
-                    </p:nvPicPr>
-                    <p:blipFill>
-                      <a:blip r:embed="rId4"/>
-                      <a:stretch>
-                        <a:fillRect/>
-                      </a:stretch>
-                    </p:blipFill>
-                    <p:spPr>
-                      <a:xfrm>
-                        <a:off x="1385637" y="1494547"/>
-                        <a:ext cx="5284788" cy="4665662"/>
-                      </a:xfrm>
-                      <a:prstGeom prst="rect">
-                        <a:avLst/>
-                      </a:prstGeom>
-                    </p:spPr>
-                  </p:pic>
-                </p:oleObj>
-              </mc:Fallback>
-            </mc:AlternateContent>
-          </a:graphicData>
-        </a:graphic>
-      </p:graphicFrame>
-    </p:spTree>
-    <p:extLst>
-      <p:ext uri="{BB962C8B-B14F-4D97-AF65-F5344CB8AC3E}">
-        <p14:creationId xmlns:p14="http://schemas.microsoft.com/office/powerpoint/2010/main" val="2361070337"/>
       </p:ext>
     </p:extLst>
   </p:cSld>
@@ -11068,12 +11321,6 @@
 </file>
 
 <file path=customXml/item2.xml><?xml version="1.0" encoding="utf-8"?>
-<p:properties xmlns:p="http://schemas.microsoft.com/office/2006/metadata/properties" xmlns:xsi="http://www.w3.org/2001/XMLSchema-instance" xmlns:pc="http://schemas.microsoft.com/office/infopath/2007/PartnerControls">
-  <documentManagement/>
-</p:properties>
-</file>
-
-<file path=customXml/item3.xml><?xml version="1.0" encoding="utf-8"?>
 <ct:contentTypeSchema xmlns:ct="http://schemas.microsoft.com/office/2006/metadata/contentType" xmlns:ma="http://schemas.microsoft.com/office/2006/metadata/properties/metaAttributes" ct:_="" ma:_="" ma:contentTypeName="Document" ma:contentTypeID="0x0101001F513751AC33344AB32CFD2920EFE649" ma:contentTypeVersion="11" ma:contentTypeDescription="Create a new document." ma:contentTypeScope="" ma:versionID="683516f7d70434a0e4dbd6c476be8d5b">
   <xsd:schema xmlns:xsd="http://www.w3.org/2001/XMLSchema" xmlns:xs="http://www.w3.org/2001/XMLSchema" xmlns:p="http://schemas.microsoft.com/office/2006/metadata/properties" xmlns:ns2="72e3a154-4955-46c3-9573-e9dec3e1f195" xmlns:ns3="ec500478-62e0-46fc-87f1-cfa988e486b4" targetNamespace="http://schemas.microsoft.com/office/2006/metadata/properties" ma:root="true" ma:fieldsID="cf4a15c6a1eec5dbba94230cc6a50510" ns2:_="" ns3:_="">
     <xsd:import namespace="72e3a154-4955-46c3-9573-e9dec3e1f195"/>
@@ -11284,6 +11531,12 @@
 </ct:contentTypeSchema>
 </file>
 
+<file path=customXml/item3.xml><?xml version="1.0" encoding="utf-8"?>
+<p:properties xmlns:p="http://schemas.microsoft.com/office/2006/metadata/properties" xmlns:xsi="http://www.w3.org/2001/XMLSchema-instance" xmlns:pc="http://schemas.microsoft.com/office/infopath/2007/PartnerControls">
+  <documentManagement/>
+</p:properties>
+</file>
+
 <file path=customXml/itemProps1.xml><?xml version="1.0" encoding="utf-8"?>
 <ds:datastoreItem xmlns:ds="http://schemas.openxmlformats.org/officeDocument/2006/customXml" ds:itemID="{B8B49826-D5EE-4D24-B649-7C3A19B527D2}">
   <ds:schemaRefs>
@@ -11293,21 +11546,6 @@
 </file>
 
 <file path=customXml/itemProps2.xml><?xml version="1.0" encoding="utf-8"?>
-<ds:datastoreItem xmlns:ds="http://schemas.openxmlformats.org/officeDocument/2006/customXml" ds:itemID="{5F07B0D7-F930-4230-933E-ABA84959494E}">
-  <ds:schemaRefs>
-    <ds:schemaRef ds:uri="http://purl.org/dc/terms/"/>
-    <ds:schemaRef ds:uri="http://www.w3.org/XML/1998/namespace"/>
-    <ds:schemaRef ds:uri="http://purl.org/dc/dcmitype/"/>
-    <ds:schemaRef ds:uri="http://schemas.microsoft.com/office/2006/documentManagement/types"/>
-    <ds:schemaRef ds:uri="http://schemas.microsoft.com/office/infopath/2007/PartnerControls"/>
-    <ds:schemaRef ds:uri="http://schemas.openxmlformats.org/package/2006/metadata/core-properties"/>
-    <ds:schemaRef ds:uri="http://schemas.microsoft.com/office/2006/metadata/properties"/>
-    <ds:schemaRef ds:uri="http://purl.org/dc/elements/1.1/"/>
-  </ds:schemaRefs>
-</ds:datastoreItem>
-</file>
-
-<file path=customXml/itemProps3.xml><?xml version="1.0" encoding="utf-8"?>
 <ds:datastoreItem xmlns:ds="http://schemas.openxmlformats.org/officeDocument/2006/customXml" ds:itemID="{153C8246-6D75-4965-9C67-AB8DC9AA7365}">
   <ds:schemaRefs>
     <ds:schemaRef ds:uri="http://schemas.microsoft.com/office/2006/metadata/contentType"/>
@@ -11324,4 +11562,19 @@
     <ds:schemaRef ds:uri="http://schemas.microsoft.com/internal/obd"/>
   </ds:schemaRefs>
 </ds:datastoreItem>
+</file>
+
+<file path=customXml/itemProps3.xml><?xml version="1.0" encoding="utf-8"?>
+<ds:datastoreItem xmlns:ds="http://schemas.openxmlformats.org/officeDocument/2006/customXml" ds:itemID="{5F07B0D7-F930-4230-933E-ABA84959494E}">
+  <ds:schemaRefs>
+    <ds:schemaRef ds:uri="http://purl.org/dc/terms/"/>
+    <ds:schemaRef ds:uri="http://www.w3.org/XML/1998/namespace"/>
+    <ds:schemaRef ds:uri="http://purl.org/dc/dcmitype/"/>
+    <ds:schemaRef ds:uri="http://schemas.microsoft.com/office/2006/documentManagement/types"/>
+    <ds:schemaRef ds:uri="http://schemas.microsoft.com/office/infopath/2007/PartnerControls"/>
+    <ds:schemaRef ds:uri="http://schemas.openxmlformats.org/package/2006/metadata/core-properties"/>
+    <ds:schemaRef ds:uri="http://schemas.microsoft.com/office/2006/metadata/properties"/>
+    <ds:schemaRef ds:uri="http://purl.org/dc/elements/1.1/"/>
+  </ds:schemaRefs>
+</ds:datastoreItem>
 </file>